--- a/Presentation/ProjectPresentation.pptx
+++ b/Presentation/ProjectPresentation.pptx
@@ -11,11 +11,15 @@
     <p:sldId id="259" r:id="rId5"/>
     <p:sldId id="260" r:id="rId6"/>
     <p:sldId id="263" r:id="rId7"/>
-    <p:sldId id="264" r:id="rId8"/>
-    <p:sldId id="265" r:id="rId9"/>
-    <p:sldId id="266" r:id="rId10"/>
-    <p:sldId id="261" r:id="rId11"/>
-    <p:sldId id="262" r:id="rId12"/>
+    <p:sldId id="267" r:id="rId8"/>
+    <p:sldId id="264" r:id="rId9"/>
+    <p:sldId id="268" r:id="rId10"/>
+    <p:sldId id="265" r:id="rId11"/>
+    <p:sldId id="269" r:id="rId12"/>
+    <p:sldId id="266" r:id="rId13"/>
+    <p:sldId id="270" r:id="rId14"/>
+    <p:sldId id="261" r:id="rId15"/>
+    <p:sldId id="262" r:id="rId16"/>
   </p:sldIdLst>
   <p:sldSz cx="12192000" cy="6858000"/>
   <p:notesSz cx="6858000" cy="9144000"/>
@@ -453,7 +457,7 @@
           <a:p>
             <a:fld id="{D0CB86BD-5412-498D-9A7E-7A59AA017D2A}" type="datetimeFigureOut">
               <a:rPr lang="en-US" smtClean="0"/>
-              <a:t>6/20/2021</a:t>
+              <a:t>6/22/2021</a:t>
             </a:fld>
             <a:endParaRPr lang="en-US"/>
           </a:p>
@@ -777,7 +781,7 @@
           <a:p>
             <a:fld id="{D0CB86BD-5412-498D-9A7E-7A59AA017D2A}" type="datetimeFigureOut">
               <a:rPr lang="en-US" smtClean="0"/>
-              <a:t>6/20/2021</a:t>
+              <a:t>6/22/2021</a:t>
             </a:fld>
             <a:endParaRPr lang="en-US"/>
           </a:p>
@@ -1025,7 +1029,7 @@
           <a:p>
             <a:fld id="{D0CB86BD-5412-498D-9A7E-7A59AA017D2A}" type="datetimeFigureOut">
               <a:rPr lang="en-US" smtClean="0"/>
-              <a:t>6/20/2021</a:t>
+              <a:t>6/22/2021</a:t>
             </a:fld>
             <a:endParaRPr lang="en-US"/>
           </a:p>
@@ -1364,7 +1368,7 @@
           <a:p>
             <a:fld id="{D0CB86BD-5412-498D-9A7E-7A59AA017D2A}" type="datetimeFigureOut">
               <a:rPr lang="en-US" smtClean="0"/>
-              <a:t>6/20/2021</a:t>
+              <a:t>6/22/2021</a:t>
             </a:fld>
             <a:endParaRPr lang="en-US"/>
           </a:p>
@@ -1711,7 +1715,7 @@
           <a:p>
             <a:fld id="{D0CB86BD-5412-498D-9A7E-7A59AA017D2A}" type="datetimeFigureOut">
               <a:rPr lang="en-US" smtClean="0"/>
-              <a:t>6/20/2021</a:t>
+              <a:t>6/22/2021</a:t>
             </a:fld>
             <a:endParaRPr lang="en-US"/>
           </a:p>
@@ -2085,7 +2089,7 @@
           <a:p>
             <a:fld id="{D0CB86BD-5412-498D-9A7E-7A59AA017D2A}" type="datetimeFigureOut">
               <a:rPr lang="en-US" smtClean="0"/>
-              <a:t>6/20/2021</a:t>
+              <a:t>6/22/2021</a:t>
             </a:fld>
             <a:endParaRPr lang="en-US"/>
           </a:p>
@@ -2555,7 +2559,7 @@
           <a:p>
             <a:fld id="{D0CB86BD-5412-498D-9A7E-7A59AA017D2A}" type="datetimeFigureOut">
               <a:rPr lang="en-US" smtClean="0"/>
-              <a:t>6/20/2021</a:t>
+              <a:t>6/22/2021</a:t>
             </a:fld>
             <a:endParaRPr lang="en-US"/>
           </a:p>
@@ -2760,7 +2764,7 @@
           <a:p>
             <a:fld id="{D0CB86BD-5412-498D-9A7E-7A59AA017D2A}" type="datetimeFigureOut">
               <a:rPr lang="en-US" smtClean="0"/>
-              <a:t>6/20/2021</a:t>
+              <a:t>6/22/2021</a:t>
             </a:fld>
             <a:endParaRPr lang="en-US"/>
           </a:p>
@@ -2971,7 +2975,7 @@
           <a:p>
             <a:fld id="{D0CB86BD-5412-498D-9A7E-7A59AA017D2A}" type="datetimeFigureOut">
               <a:rPr lang="en-US" smtClean="0"/>
-              <a:t>6/20/2021</a:t>
+              <a:t>6/22/2021</a:t>
             </a:fld>
             <a:endParaRPr lang="en-US"/>
           </a:p>
@@ -3203,7 +3207,7 @@
           <a:p>
             <a:fld id="{D0CB86BD-5412-498D-9A7E-7A59AA017D2A}" type="datetimeFigureOut">
               <a:rPr lang="en-US" smtClean="0"/>
-              <a:t>6/20/2021</a:t>
+              <a:t>6/22/2021</a:t>
             </a:fld>
             <a:endParaRPr lang="en-US"/>
           </a:p>
@@ -3451,7 +3455,7 @@
           <a:p>
             <a:fld id="{D0CB86BD-5412-498D-9A7E-7A59AA017D2A}" type="datetimeFigureOut">
               <a:rPr lang="en-US" smtClean="0"/>
-              <a:t>6/20/2021</a:t>
+              <a:t>6/22/2021</a:t>
             </a:fld>
             <a:endParaRPr lang="en-US"/>
           </a:p>
@@ -3749,7 +3753,7 @@
           <a:p>
             <a:fld id="{D0CB86BD-5412-498D-9A7E-7A59AA017D2A}" type="datetimeFigureOut">
               <a:rPr lang="en-US" smtClean="0"/>
-              <a:t>6/20/2021</a:t>
+              <a:t>6/22/2021</a:t>
             </a:fld>
             <a:endParaRPr lang="en-US"/>
           </a:p>
@@ -4143,7 +4147,7 @@
           <a:p>
             <a:fld id="{D0CB86BD-5412-498D-9A7E-7A59AA017D2A}" type="datetimeFigureOut">
               <a:rPr lang="en-US" smtClean="0"/>
-              <a:t>6/20/2021</a:t>
+              <a:t>6/22/2021</a:t>
             </a:fld>
             <a:endParaRPr lang="en-US"/>
           </a:p>
@@ -4292,7 +4296,7 @@
           <a:p>
             <a:fld id="{D0CB86BD-5412-498D-9A7E-7A59AA017D2A}" type="datetimeFigureOut">
               <a:rPr lang="en-US" smtClean="0"/>
-              <a:t>6/20/2021</a:t>
+              <a:t>6/22/2021</a:t>
             </a:fld>
             <a:endParaRPr lang="en-US"/>
           </a:p>
@@ -4418,7 +4422,7 @@
           <a:p>
             <a:fld id="{D0CB86BD-5412-498D-9A7E-7A59AA017D2A}" type="datetimeFigureOut">
               <a:rPr lang="en-US" smtClean="0"/>
-              <a:t>6/20/2021</a:t>
+              <a:t>6/22/2021</a:t>
             </a:fld>
             <a:endParaRPr lang="en-US"/>
           </a:p>
@@ -4673,7 +4677,7 @@
           <a:p>
             <a:fld id="{D0CB86BD-5412-498D-9A7E-7A59AA017D2A}" type="datetimeFigureOut">
               <a:rPr lang="en-US" smtClean="0"/>
-              <a:t>6/20/2021</a:t>
+              <a:t>6/22/2021</a:t>
             </a:fld>
             <a:endParaRPr lang="en-US"/>
           </a:p>
@@ -4988,7 +4992,7 @@
           <a:p>
             <a:fld id="{D0CB86BD-5412-498D-9A7E-7A59AA017D2A}" type="datetimeFigureOut">
               <a:rPr lang="en-US" smtClean="0"/>
-              <a:t>6/20/2021</a:t>
+              <a:t>6/22/2021</a:t>
             </a:fld>
             <a:endParaRPr lang="en-US"/>
           </a:p>
@@ -5339,7 +5343,7 @@
           <a:p>
             <a:fld id="{D0CB86BD-5412-498D-9A7E-7A59AA017D2A}" type="datetimeFigureOut">
               <a:rPr lang="en-US" smtClean="0"/>
-              <a:t>6/20/2021</a:t>
+              <a:t>6/22/2021</a:t>
             </a:fld>
             <a:endParaRPr lang="en-US"/>
           </a:p>
@@ -6004,7 +6008,7 @@
           <p:cNvPr id="2" name="Заглавие 1">
             <a:extLst>
               <a:ext uri="{FF2B5EF4-FFF2-40B4-BE49-F238E27FC236}">
-                <a16:creationId xmlns:a16="http://schemas.microsoft.com/office/drawing/2014/main" id="{C019BFF5-EBFB-4089-8F12-F6A31C3F2FC6}"/>
+                <a16:creationId xmlns:a16="http://schemas.microsoft.com/office/drawing/2014/main" id="{6097C888-1591-491A-AA7F-5239AE2E458E}"/>
               </a:ext>
             </a:extLst>
           </p:cNvPr>
@@ -6012,25 +6016,61 @@
             <a:spLocks noGrp="1"/>
           </p:cNvSpPr>
           <p:nvPr>
-            <p:ph type="ctrTitle"/>
+            <p:ph type="title"/>
           </p:nvPr>
         </p:nvSpPr>
         <p:spPr/>
         <p:txBody>
-          <a:bodyPr anchor="ctr"/>
+          <a:bodyPr/>
           <a:lstStyle/>
           <a:p>
             <a:r>
               <a:rPr lang="en-US" dirty="0"/>
-              <a:t>Demonstration</a:t>
-            </a:r>
-          </a:p>
-        </p:txBody>
-      </p:sp>
+              <a:t>Events</a:t>
+            </a:r>
+          </a:p>
+        </p:txBody>
+      </p:sp>
+      <p:pic>
+        <p:nvPicPr>
+          <p:cNvPr id="4" name="Картина 3">
+            <a:extLst>
+              <a:ext uri="{FF2B5EF4-FFF2-40B4-BE49-F238E27FC236}">
+                <a16:creationId xmlns:a16="http://schemas.microsoft.com/office/drawing/2014/main" id="{B5B75359-A52D-4538-8B33-CB7D00306566}"/>
+              </a:ext>
+            </a:extLst>
+          </p:cNvPr>
+          <p:cNvPicPr>
+            <a:picLocks noChangeAspect="1"/>
+          </p:cNvPicPr>
+          <p:nvPr/>
+        </p:nvPicPr>
+        <p:blipFill>
+          <a:blip r:embed="rId2">
+            <a:extLst>
+              <a:ext uri="{28A0092B-C50C-407E-A947-70E740481C1C}">
+                <a14:useLocalDpi xmlns:a14="http://schemas.microsoft.com/office/drawing/2010/main" val="0"/>
+              </a:ext>
+            </a:extLst>
+          </a:blip>
+          <a:stretch>
+            <a:fillRect/>
+          </a:stretch>
+        </p:blipFill>
+        <p:spPr>
+          <a:xfrm>
+            <a:off x="2469931" y="2501460"/>
+            <a:ext cx="7010400" cy="3720663"/>
+          </a:xfrm>
+          <a:prstGeom prst="rect">
+            <a:avLst/>
+          </a:prstGeom>
+        </p:spPr>
+      </p:pic>
     </p:spTree>
     <p:extLst>
       <p:ext uri="{BB962C8B-B14F-4D97-AF65-F5344CB8AC3E}">
-        <p14:creationId xmlns:p14="http://schemas.microsoft.com/office/powerpoint/2010/main" val="2264417894"/>
+        <p14:creationId xmlns:p14="http://schemas.microsoft.com/office/powerpoint/2010/main" val="1010382329"/>
       </p:ext>
     </p:extLst>
   </p:cSld>
@@ -6059,6 +6099,346 @@
       </p:grpSpPr>
       <p:sp>
         <p:nvSpPr>
+          <p:cNvPr id="2" name="Заглавие 1">
+            <a:extLst>
+              <a:ext uri="{FF2B5EF4-FFF2-40B4-BE49-F238E27FC236}">
+                <a16:creationId xmlns:a16="http://schemas.microsoft.com/office/drawing/2014/main" id="{D6538738-35ED-4920-B6C6-70029EFB4EB5}"/>
+              </a:ext>
+            </a:extLst>
+          </p:cNvPr>
+          <p:cNvSpPr>
+            <a:spLocks noGrp="1"/>
+          </p:cNvSpPr>
+          <p:nvPr>
+            <p:ph type="title"/>
+          </p:nvPr>
+        </p:nvSpPr>
+        <p:spPr/>
+        <p:txBody>
+          <a:bodyPr/>
+          <a:lstStyle/>
+          <a:p>
+            <a:r>
+              <a:rPr lang="en-US" dirty="0"/>
+              <a:t>Rules</a:t>
+            </a:r>
+          </a:p>
+        </p:txBody>
+      </p:sp>
+      <p:pic>
+        <p:nvPicPr>
+          <p:cNvPr id="5" name="Картина 4">
+            <a:extLst>
+              <a:ext uri="{FF2B5EF4-FFF2-40B4-BE49-F238E27FC236}">
+                <a16:creationId xmlns:a16="http://schemas.microsoft.com/office/drawing/2014/main" id="{7855FBBC-40EF-4BF9-80F8-2015A251CD86}"/>
+              </a:ext>
+            </a:extLst>
+          </p:cNvPr>
+          <p:cNvPicPr>
+            <a:picLocks noChangeAspect="1"/>
+          </p:cNvPicPr>
+          <p:nvPr/>
+        </p:nvPicPr>
+        <p:blipFill>
+          <a:blip r:embed="rId2">
+            <a:extLst>
+              <a:ext uri="{28A0092B-C50C-407E-A947-70E740481C1C}">
+                <a14:useLocalDpi xmlns:a14="http://schemas.microsoft.com/office/drawing/2010/main" val="0"/>
+              </a:ext>
+            </a:extLst>
+          </a:blip>
+          <a:stretch>
+            <a:fillRect/>
+          </a:stretch>
+        </p:blipFill>
+        <p:spPr>
+          <a:xfrm>
+            <a:off x="2659117" y="2490951"/>
+            <a:ext cx="6789683" cy="3741098"/>
+          </a:xfrm>
+          <a:prstGeom prst="rect">
+            <a:avLst/>
+          </a:prstGeom>
+        </p:spPr>
+      </p:pic>
+    </p:spTree>
+    <p:extLst>
+      <p:ext uri="{BB962C8B-B14F-4D97-AF65-F5344CB8AC3E}">
+        <p14:creationId xmlns:p14="http://schemas.microsoft.com/office/powerpoint/2010/main" val="789087409"/>
+      </p:ext>
+    </p:extLst>
+  </p:cSld>
+  <p:clrMapOvr>
+    <a:masterClrMapping/>
+  </p:clrMapOvr>
+</p:sld>
+</file>
+
+<file path=ppt/slides/slide12.xml><?xml version="1.0" encoding="utf-8"?>
+<p:sld xmlns:a="http://schemas.openxmlformats.org/drawingml/2006/main" xmlns:r="http://schemas.openxmlformats.org/officeDocument/2006/relationships" xmlns:p="http://schemas.openxmlformats.org/presentationml/2006/main">
+  <p:cSld>
+    <p:spTree>
+      <p:nvGrpSpPr>
+        <p:cNvPr id="1" name=""/>
+        <p:cNvGrpSpPr/>
+        <p:nvPr/>
+      </p:nvGrpSpPr>
+      <p:grpSpPr>
+        <a:xfrm>
+          <a:off x="0" y="0"/>
+          <a:ext cx="0" cy="0"/>
+          <a:chOff x="0" y="0"/>
+          <a:chExt cx="0" cy="0"/>
+        </a:xfrm>
+      </p:grpSpPr>
+      <p:sp>
+        <p:nvSpPr>
+          <p:cNvPr id="2" name="Заглавие 1">
+            <a:extLst>
+              <a:ext uri="{FF2B5EF4-FFF2-40B4-BE49-F238E27FC236}">
+                <a16:creationId xmlns:a16="http://schemas.microsoft.com/office/drawing/2014/main" id="{FAC685A4-896C-4DDA-A85E-BC1343A3CCA7}"/>
+              </a:ext>
+            </a:extLst>
+          </p:cNvPr>
+          <p:cNvSpPr>
+            <a:spLocks noGrp="1"/>
+          </p:cNvSpPr>
+          <p:nvPr>
+            <p:ph type="title"/>
+          </p:nvPr>
+        </p:nvSpPr>
+        <p:spPr/>
+        <p:txBody>
+          <a:bodyPr/>
+          <a:lstStyle/>
+          <a:p>
+            <a:r>
+              <a:rPr lang="en-US" dirty="0"/>
+              <a:t>Complaints</a:t>
+            </a:r>
+          </a:p>
+        </p:txBody>
+      </p:sp>
+      <p:pic>
+        <p:nvPicPr>
+          <p:cNvPr id="4" name="Картина 3">
+            <a:extLst>
+              <a:ext uri="{FF2B5EF4-FFF2-40B4-BE49-F238E27FC236}">
+                <a16:creationId xmlns:a16="http://schemas.microsoft.com/office/drawing/2014/main" id="{AE326C88-0809-432B-8D17-7EE5733D7E03}"/>
+              </a:ext>
+            </a:extLst>
+          </p:cNvPr>
+          <p:cNvPicPr>
+            <a:picLocks noChangeAspect="1"/>
+          </p:cNvPicPr>
+          <p:nvPr/>
+        </p:nvPicPr>
+        <p:blipFill>
+          <a:blip r:embed="rId2">
+            <a:extLst>
+              <a:ext uri="{28A0092B-C50C-407E-A947-70E740481C1C}">
+                <a14:useLocalDpi xmlns:a14="http://schemas.microsoft.com/office/drawing/2010/main" val="0"/>
+              </a:ext>
+            </a:extLst>
+          </a:blip>
+          <a:stretch>
+            <a:fillRect/>
+          </a:stretch>
+        </p:blipFill>
+        <p:spPr>
+          <a:xfrm>
+            <a:off x="3036823" y="2558357"/>
+            <a:ext cx="6118354" cy="3611215"/>
+          </a:xfrm>
+          <a:prstGeom prst="rect">
+            <a:avLst/>
+          </a:prstGeom>
+        </p:spPr>
+      </p:pic>
+    </p:spTree>
+    <p:extLst>
+      <p:ext uri="{BB962C8B-B14F-4D97-AF65-F5344CB8AC3E}">
+        <p14:creationId xmlns:p14="http://schemas.microsoft.com/office/powerpoint/2010/main" val="2341397945"/>
+      </p:ext>
+    </p:extLst>
+  </p:cSld>
+  <p:clrMapOvr>
+    <a:masterClrMapping/>
+  </p:clrMapOvr>
+</p:sld>
+</file>
+
+<file path=ppt/slides/slide13.xml><?xml version="1.0" encoding="utf-8"?>
+<p:sld xmlns:a="http://schemas.openxmlformats.org/drawingml/2006/main" xmlns:r="http://schemas.openxmlformats.org/officeDocument/2006/relationships" xmlns:p="http://schemas.openxmlformats.org/presentationml/2006/main">
+  <p:cSld>
+    <p:spTree>
+      <p:nvGrpSpPr>
+        <p:cNvPr id="1" name=""/>
+        <p:cNvGrpSpPr/>
+        <p:nvPr/>
+      </p:nvGrpSpPr>
+      <p:grpSpPr>
+        <a:xfrm>
+          <a:off x="0" y="0"/>
+          <a:ext cx="0" cy="0"/>
+          <a:chOff x="0" y="0"/>
+          <a:chExt cx="0" cy="0"/>
+        </a:xfrm>
+      </p:grpSpPr>
+      <p:sp>
+        <p:nvSpPr>
+          <p:cNvPr id="2" name="Заглавие 1">
+            <a:extLst>
+              <a:ext uri="{FF2B5EF4-FFF2-40B4-BE49-F238E27FC236}">
+                <a16:creationId xmlns:a16="http://schemas.microsoft.com/office/drawing/2014/main" id="{72F616E6-16C9-472C-B9EF-6277E9DC289E}"/>
+              </a:ext>
+            </a:extLst>
+          </p:cNvPr>
+          <p:cNvSpPr>
+            <a:spLocks noGrp="1"/>
+          </p:cNvSpPr>
+          <p:nvPr>
+            <p:ph type="title"/>
+          </p:nvPr>
+        </p:nvSpPr>
+        <p:spPr/>
+        <p:txBody>
+          <a:bodyPr/>
+          <a:lstStyle/>
+          <a:p>
+            <a:r>
+              <a:rPr lang="en-US" dirty="0"/>
+              <a:t>Adding a new building</a:t>
+            </a:r>
+          </a:p>
+        </p:txBody>
+      </p:sp>
+      <p:pic>
+        <p:nvPicPr>
+          <p:cNvPr id="5" name="Картина 4" descr="Картина, която съдържа текст&#10;&#10;Описанието е генерирано автоматично">
+            <a:extLst>
+              <a:ext uri="{FF2B5EF4-FFF2-40B4-BE49-F238E27FC236}">
+                <a16:creationId xmlns:a16="http://schemas.microsoft.com/office/drawing/2014/main" id="{CE9A96C8-65C6-4A9F-9CC1-21618879E3A7}"/>
+              </a:ext>
+            </a:extLst>
+          </p:cNvPr>
+          <p:cNvPicPr>
+            <a:picLocks noChangeAspect="1"/>
+          </p:cNvPicPr>
+          <p:nvPr/>
+        </p:nvPicPr>
+        <p:blipFill>
+          <a:blip r:embed="rId2">
+            <a:extLst>
+              <a:ext uri="{28A0092B-C50C-407E-A947-70E740481C1C}">
+                <a14:useLocalDpi xmlns:a14="http://schemas.microsoft.com/office/drawing/2010/main" val="0"/>
+              </a:ext>
+            </a:extLst>
+          </a:blip>
+          <a:stretch>
+            <a:fillRect/>
+          </a:stretch>
+        </p:blipFill>
+        <p:spPr>
+          <a:xfrm>
+            <a:off x="2659118" y="2554014"/>
+            <a:ext cx="6968358" cy="3615558"/>
+          </a:xfrm>
+          <a:prstGeom prst="rect">
+            <a:avLst/>
+          </a:prstGeom>
+        </p:spPr>
+      </p:pic>
+    </p:spTree>
+    <p:extLst>
+      <p:ext uri="{BB962C8B-B14F-4D97-AF65-F5344CB8AC3E}">
+        <p14:creationId xmlns:p14="http://schemas.microsoft.com/office/powerpoint/2010/main" val="1553377856"/>
+      </p:ext>
+    </p:extLst>
+  </p:cSld>
+  <p:clrMapOvr>
+    <a:masterClrMapping/>
+  </p:clrMapOvr>
+</p:sld>
+</file>
+
+<file path=ppt/slides/slide14.xml><?xml version="1.0" encoding="utf-8"?>
+<p:sld xmlns:a="http://schemas.openxmlformats.org/drawingml/2006/main" xmlns:r="http://schemas.openxmlformats.org/officeDocument/2006/relationships" xmlns:p="http://schemas.openxmlformats.org/presentationml/2006/main">
+  <p:cSld>
+    <p:spTree>
+      <p:nvGrpSpPr>
+        <p:cNvPr id="1" name=""/>
+        <p:cNvGrpSpPr/>
+        <p:nvPr/>
+      </p:nvGrpSpPr>
+      <p:grpSpPr>
+        <a:xfrm>
+          <a:off x="0" y="0"/>
+          <a:ext cx="0" cy="0"/>
+          <a:chOff x="0" y="0"/>
+          <a:chExt cx="0" cy="0"/>
+        </a:xfrm>
+      </p:grpSpPr>
+      <p:sp>
+        <p:nvSpPr>
+          <p:cNvPr id="2" name="Заглавие 1">
+            <a:extLst>
+              <a:ext uri="{FF2B5EF4-FFF2-40B4-BE49-F238E27FC236}">
+                <a16:creationId xmlns:a16="http://schemas.microsoft.com/office/drawing/2014/main" id="{C019BFF5-EBFB-4089-8F12-F6A31C3F2FC6}"/>
+              </a:ext>
+            </a:extLst>
+          </p:cNvPr>
+          <p:cNvSpPr>
+            <a:spLocks noGrp="1"/>
+          </p:cNvSpPr>
+          <p:nvPr>
+            <p:ph type="ctrTitle"/>
+          </p:nvPr>
+        </p:nvSpPr>
+        <p:spPr/>
+        <p:txBody>
+          <a:bodyPr anchor="ctr"/>
+          <a:lstStyle/>
+          <a:p>
+            <a:r>
+              <a:rPr lang="en-US" dirty="0"/>
+              <a:t>Demonstration</a:t>
+            </a:r>
+          </a:p>
+        </p:txBody>
+      </p:sp>
+    </p:spTree>
+    <p:extLst>
+      <p:ext uri="{BB962C8B-B14F-4D97-AF65-F5344CB8AC3E}">
+        <p14:creationId xmlns:p14="http://schemas.microsoft.com/office/powerpoint/2010/main" val="2264417894"/>
+      </p:ext>
+    </p:extLst>
+  </p:cSld>
+  <p:clrMapOvr>
+    <a:masterClrMapping/>
+  </p:clrMapOvr>
+</p:sld>
+</file>
+
+<file path=ppt/slides/slide15.xml><?xml version="1.0" encoding="utf-8"?>
+<p:sld xmlns:a="http://schemas.openxmlformats.org/drawingml/2006/main" xmlns:r="http://schemas.openxmlformats.org/officeDocument/2006/relationships" xmlns:p="http://schemas.openxmlformats.org/presentationml/2006/main">
+  <p:cSld>
+    <p:spTree>
+      <p:nvGrpSpPr>
+        <p:cNvPr id="1" name=""/>
+        <p:cNvGrpSpPr/>
+        <p:nvPr/>
+      </p:nvGrpSpPr>
+      <p:grpSpPr>
+        <a:xfrm>
+          <a:off x="0" y="0"/>
+          <a:ext cx="0" cy="0"/>
+          <a:chOff x="0" y="0"/>
+          <a:chExt cx="0" cy="0"/>
+        </a:xfrm>
+      </p:grpSpPr>
+      <p:sp>
+        <p:nvSpPr>
           <p:cNvPr id="2" name="Oval 1">
             <a:extLst>
               <a:ext uri="{FF2B5EF4-FFF2-40B4-BE49-F238E27FC236}">
@@ -6101,7 +6481,7 @@
             <a:pPr algn="ctr"/>
             <a:r>
               <a:rPr lang="en-GB" sz="5400" b="1" dirty="0"/>
-              <a:t>Thank you for your attention </a:t>
+              <a:t>Thank you for your attention. If you have any questions, please let us know! </a:t>
             </a:r>
             <a:endParaRPr lang="en-NL" sz="5400" b="1" dirty="0"/>
           </a:p>
@@ -7105,6 +7485,12 @@
           <a:p>
             <a:r>
               <a:rPr lang="en-US" sz="1600" dirty="0"/>
+              <a:t>Shared items</a:t>
+            </a:r>
+          </a:p>
+          <a:p>
+            <a:r>
+              <a:rPr lang="en-US" sz="1600" dirty="0"/>
               <a:t>Adding a new building</a:t>
             </a:r>
           </a:p>
@@ -7195,23 +7581,23 @@
         <p:spPr/>
         <p:txBody>
           <a:bodyPr>
-            <a:normAutofit fontScale="90000"/>
+            <a:normAutofit/>
           </a:bodyPr>
           <a:lstStyle/>
           <a:p>
             <a:r>
               <a:rPr lang="en-US" dirty="0"/>
-              <a:t>Connection between the forms and registration</a:t>
+              <a:t>Connection between the forms</a:t>
             </a:r>
           </a:p>
         </p:txBody>
       </p:sp>
       <p:pic>
         <p:nvPicPr>
-          <p:cNvPr id="5" name="Картина 4">
+          <p:cNvPr id="4" name="Картина 3">
             <a:extLst>
               <a:ext uri="{FF2B5EF4-FFF2-40B4-BE49-F238E27FC236}">
-                <a16:creationId xmlns:a16="http://schemas.microsoft.com/office/drawing/2014/main" id="{9E488E83-E10A-4CC3-A663-15B9A948C921}"/>
+                <a16:creationId xmlns:a16="http://schemas.microsoft.com/office/drawing/2014/main" id="{CD7C9F4F-48E7-4A8F-925B-FE0627309C38}"/>
               </a:ext>
             </a:extLst>
           </p:cNvPr>
@@ -7234,8 +7620,8 @@
         </p:blipFill>
         <p:spPr>
           <a:xfrm>
-            <a:off x="4251434" y="2511973"/>
-            <a:ext cx="3689131" cy="3615558"/>
+            <a:off x="3016469" y="2522794"/>
+            <a:ext cx="6096000" cy="3573205"/>
           </a:xfrm>
           <a:prstGeom prst="rect">
             <a:avLst/>
@@ -7277,7 +7663,7 @@
           <p:cNvPr id="2" name="Заглавие 1">
             <a:extLst>
               <a:ext uri="{FF2B5EF4-FFF2-40B4-BE49-F238E27FC236}">
-                <a16:creationId xmlns:a16="http://schemas.microsoft.com/office/drawing/2014/main" id="{A08289D0-40C4-4877-8496-E6F4DB96A082}"/>
+                <a16:creationId xmlns:a16="http://schemas.microsoft.com/office/drawing/2014/main" id="{F5E8D99C-DA58-4DCE-97C1-DD4DC7DCDCC6}"/>
               </a:ext>
             </a:extLst>
           </p:cNvPr>
@@ -7295,17 +7681,17 @@
           <a:p>
             <a:r>
               <a:rPr lang="en-US" dirty="0"/>
-              <a:t>Messages and tasks</a:t>
+              <a:t>Registration</a:t>
             </a:r>
           </a:p>
         </p:txBody>
       </p:sp>
       <p:pic>
         <p:nvPicPr>
-          <p:cNvPr id="5" name="Картина 4">
+          <p:cNvPr id="5" name="Картина 4" descr="Картина, която съдържа маса&#10;&#10;Описанието е генерирано автоматично">
             <a:extLst>
               <a:ext uri="{FF2B5EF4-FFF2-40B4-BE49-F238E27FC236}">
-                <a16:creationId xmlns:a16="http://schemas.microsoft.com/office/drawing/2014/main" id="{37CECC2E-2C58-4623-A2E4-A13E6FB75677}"/>
+                <a16:creationId xmlns:a16="http://schemas.microsoft.com/office/drawing/2014/main" id="{5408F17C-066E-42D3-A544-EB72EBA218AD}"/>
               </a:ext>
             </a:extLst>
           </p:cNvPr>
@@ -7328,8 +7714,8 @@
         </p:blipFill>
         <p:spPr>
           <a:xfrm>
-            <a:off x="1429406" y="2459421"/>
-            <a:ext cx="9375227" cy="3699641"/>
+            <a:off x="4374620" y="2427890"/>
+            <a:ext cx="3442759" cy="3719930"/>
           </a:xfrm>
           <a:prstGeom prst="rect">
             <a:avLst/>
@@ -7339,7 +7725,7 @@
     </p:spTree>
     <p:extLst>
       <p:ext uri="{BB962C8B-B14F-4D97-AF65-F5344CB8AC3E}">
-        <p14:creationId xmlns:p14="http://schemas.microsoft.com/office/powerpoint/2010/main" val="2352477678"/>
+        <p14:creationId xmlns:p14="http://schemas.microsoft.com/office/powerpoint/2010/main" val="1289323086"/>
       </p:ext>
     </p:extLst>
   </p:cSld>
@@ -7371,7 +7757,7 @@
           <p:cNvPr id="2" name="Заглавие 1">
             <a:extLst>
               <a:ext uri="{FF2B5EF4-FFF2-40B4-BE49-F238E27FC236}">
-                <a16:creationId xmlns:a16="http://schemas.microsoft.com/office/drawing/2014/main" id="{6097C888-1591-491A-AA7F-5239AE2E458E}"/>
+                <a16:creationId xmlns:a16="http://schemas.microsoft.com/office/drawing/2014/main" id="{A08289D0-40C4-4877-8496-E6F4DB96A082}"/>
               </a:ext>
             </a:extLst>
           </p:cNvPr>
@@ -7389,17 +7775,17 @@
           <a:p>
             <a:r>
               <a:rPr lang="en-US" dirty="0"/>
-              <a:t>Events and rules</a:t>
+              <a:t>Messages</a:t>
             </a:r>
           </a:p>
         </p:txBody>
       </p:sp>
       <p:pic>
         <p:nvPicPr>
-          <p:cNvPr id="5" name="Картина 4">
+          <p:cNvPr id="4" name="Картина 3" descr="Картина, която съдържа текст&#10;&#10;Описанието е генерирано автоматично">
             <a:extLst>
               <a:ext uri="{FF2B5EF4-FFF2-40B4-BE49-F238E27FC236}">
-                <a16:creationId xmlns:a16="http://schemas.microsoft.com/office/drawing/2014/main" id="{C39ADA7E-39FF-45BA-8F14-3B58C92B6B15}"/>
+                <a16:creationId xmlns:a16="http://schemas.microsoft.com/office/drawing/2014/main" id="{3917C56E-FA8D-4DCD-87ED-38D2AE0BBBF3}"/>
               </a:ext>
             </a:extLst>
           </p:cNvPr>
@@ -7422,8 +7808,8 @@
         </p:blipFill>
         <p:spPr>
           <a:xfrm>
-            <a:off x="2711669" y="2659116"/>
-            <a:ext cx="6684579" cy="3468415"/>
+            <a:off x="2816772" y="2501462"/>
+            <a:ext cx="6558455" cy="3668112"/>
           </a:xfrm>
           <a:prstGeom prst="rect">
             <a:avLst/>
@@ -7433,7 +7819,7 @@
     </p:spTree>
     <p:extLst>
       <p:ext uri="{BB962C8B-B14F-4D97-AF65-F5344CB8AC3E}">
-        <p14:creationId xmlns:p14="http://schemas.microsoft.com/office/powerpoint/2010/main" val="1010382329"/>
+        <p14:creationId xmlns:p14="http://schemas.microsoft.com/office/powerpoint/2010/main" val="2352477678"/>
       </p:ext>
     </p:extLst>
   </p:cSld>
@@ -7465,7 +7851,7 @@
           <p:cNvPr id="2" name="Заглавие 1">
             <a:extLst>
               <a:ext uri="{FF2B5EF4-FFF2-40B4-BE49-F238E27FC236}">
-                <a16:creationId xmlns:a16="http://schemas.microsoft.com/office/drawing/2014/main" id="{FAC685A4-896C-4DDA-A85E-BC1343A3CCA7}"/>
+                <a16:creationId xmlns:a16="http://schemas.microsoft.com/office/drawing/2014/main" id="{9E184D5C-6423-40E4-AB54-8735B2EC78CD}"/>
               </a:ext>
             </a:extLst>
           </p:cNvPr>
@@ -7483,17 +7869,17 @@
           <a:p>
             <a:r>
               <a:rPr lang="en-US" dirty="0"/>
-              <a:t>Complaints and adding a new building</a:t>
+              <a:t>Tasks</a:t>
             </a:r>
           </a:p>
         </p:txBody>
       </p:sp>
       <p:pic>
         <p:nvPicPr>
-          <p:cNvPr id="5" name="Картина 4">
+          <p:cNvPr id="5" name="Картина 4" descr="Картина, която съдържа текст&#10;&#10;Описанието е генерирано автоматично">
             <a:extLst>
               <a:ext uri="{FF2B5EF4-FFF2-40B4-BE49-F238E27FC236}">
-                <a16:creationId xmlns:a16="http://schemas.microsoft.com/office/drawing/2014/main" id="{75AA5B3D-2A63-42B2-9C6E-C1AFC976D8BF}"/>
+                <a16:creationId xmlns:a16="http://schemas.microsoft.com/office/drawing/2014/main" id="{76955E77-10FD-40CD-A560-C64D820E7CDF}"/>
               </a:ext>
             </a:extLst>
           </p:cNvPr>
@@ -7516,8 +7902,8 @@
         </p:blipFill>
         <p:spPr>
           <a:xfrm>
-            <a:off x="2301767" y="2659702"/>
-            <a:ext cx="7504386" cy="3216166"/>
+            <a:off x="2587125" y="2540310"/>
+            <a:ext cx="7017749" cy="3671304"/>
           </a:xfrm>
           <a:prstGeom prst="rect">
             <a:avLst/>
@@ -7527,7 +7913,7 @@
     </p:spTree>
     <p:extLst>
       <p:ext uri="{BB962C8B-B14F-4D97-AF65-F5344CB8AC3E}">
-        <p14:creationId xmlns:p14="http://schemas.microsoft.com/office/powerpoint/2010/main" val="2341397945"/>
+        <p14:creationId xmlns:p14="http://schemas.microsoft.com/office/powerpoint/2010/main" val="774511832"/>
       </p:ext>
     </p:extLst>
   </p:cSld>
